--- a/Efficient forecasting and uncertainty quantification for large scale.pptx
+++ b/Efficient forecasting and uncertainty quantification for large scale.pptx
@@ -6,10 +6,19 @@
   </p:sldMasterIdLst>
   <p:sldIdLst>
     <p:sldId id="256" r:id="rId2"/>
-    <p:sldId id="257" r:id="rId3"/>
-    <p:sldId id="258" r:id="rId4"/>
-    <p:sldId id="259" r:id="rId5"/>
-    <p:sldId id="260" r:id="rId6"/>
+    <p:sldId id="263" r:id="rId3"/>
+    <p:sldId id="269" r:id="rId4"/>
+    <p:sldId id="261" r:id="rId5"/>
+    <p:sldId id="270" r:id="rId6"/>
+    <p:sldId id="264" r:id="rId7"/>
+    <p:sldId id="257" r:id="rId8"/>
+    <p:sldId id="262" r:id="rId9"/>
+    <p:sldId id="258" r:id="rId10"/>
+    <p:sldId id="265" r:id="rId11"/>
+    <p:sldId id="271" r:id="rId12"/>
+    <p:sldId id="267" r:id="rId13"/>
+    <p:sldId id="268" r:id="rId14"/>
+    <p:sldId id="266" r:id="rId15"/>
   </p:sldIdLst>
   <p:sldSz cx="12192000" cy="6858000"/>
   <p:notesSz cx="6858000" cy="9144000"/>
@@ -3362,7 +3371,12 @@
             <p:ph type="ctrTitle"/>
           </p:nvPr>
         </p:nvSpPr>
-        <p:spPr/>
+        <p:spPr>
+          <a:xfrm>
+            <a:off x="1524000" y="1600200"/>
+            <a:ext cx="9144000" cy="2387600"/>
+          </a:xfrm>
+        </p:spPr>
         <p:txBody>
           <a:bodyPr>
             <a:normAutofit fontScale="90000"/>
@@ -3393,7 +3407,12 @@
             <p:ph type="subTitle" idx="1"/>
           </p:nvPr>
         </p:nvSpPr>
-        <p:spPr/>
+        <p:spPr>
+          <a:xfrm>
+            <a:off x="1524000" y="3897006"/>
+            <a:ext cx="9144000" cy="1655762"/>
+          </a:xfrm>
+        </p:spPr>
         <p:txBody>
           <a:bodyPr/>
           <a:lstStyle/>
@@ -3412,6 +3431,379 @@
     <p:extLst>
       <p:ext uri="{BB962C8B-B14F-4D97-AF65-F5344CB8AC3E}">
         <p14:creationId xmlns:p14="http://schemas.microsoft.com/office/powerpoint/2010/main" val="3528540626"/>
+      </p:ext>
+    </p:extLst>
+  </p:cSld>
+  <p:clrMapOvr>
+    <a:masterClrMapping/>
+  </p:clrMapOvr>
+</p:sld>
+</file>
+
+<file path=ppt/slides/slide10.xml><?xml version="1.0" encoding="utf-8"?>
+<p:sld xmlns:a="http://schemas.openxmlformats.org/drawingml/2006/main" xmlns:r="http://schemas.openxmlformats.org/officeDocument/2006/relationships" xmlns:p="http://schemas.openxmlformats.org/presentationml/2006/main">
+  <p:cSld>
+    <p:spTree>
+      <p:nvGrpSpPr>
+        <p:cNvPr id="1" name=""/>
+        <p:cNvGrpSpPr/>
+        <p:nvPr/>
+      </p:nvGrpSpPr>
+      <p:grpSpPr>
+        <a:xfrm>
+          <a:off x="0" y="0"/>
+          <a:ext cx="0" cy="0"/>
+          <a:chOff x="0" y="0"/>
+          <a:chExt cx="0" cy="0"/>
+        </a:xfrm>
+      </p:grpSpPr>
+      <p:sp>
+        <p:nvSpPr>
+          <p:cNvPr id="2" name="Title 1">
+            <a:extLst>
+              <a:ext uri="{FF2B5EF4-FFF2-40B4-BE49-F238E27FC236}">
+                <a16:creationId xmlns:a16="http://schemas.microsoft.com/office/drawing/2014/main" id="{107CC34C-E975-5012-66F9-1C51EEC4E4C8}"/>
+              </a:ext>
+            </a:extLst>
+          </p:cNvPr>
+          <p:cNvSpPr>
+            <a:spLocks noGrp="1"/>
+          </p:cNvSpPr>
+          <p:nvPr>
+            <p:ph type="title"/>
+          </p:nvPr>
+        </p:nvSpPr>
+        <p:spPr>
+          <a:xfrm>
+            <a:off x="671051" y="2656041"/>
+            <a:ext cx="10515600" cy="1325563"/>
+          </a:xfrm>
+        </p:spPr>
+        <p:txBody>
+          <a:bodyPr>
+            <a:noAutofit/>
+          </a:bodyPr>
+          <a:lstStyle/>
+          <a:p>
+            <a:r>
+              <a:rPr lang="en-US" sz="6600" dirty="0">
+                <a:latin typeface="Arial Black" panose="020B0A04020102020204" pitchFamily="34" charset="0"/>
+              </a:rPr>
+              <a:t>Error analysis and optimal number of </a:t>
+            </a:r>
+            <a:r>
+              <a:rPr lang="en-US" sz="6600" dirty="0" err="1">
+                <a:latin typeface="Arial Black" panose="020B0A04020102020204" pitchFamily="34" charset="0"/>
+              </a:rPr>
+              <a:t>realisations</a:t>
+            </a:r>
+            <a:endParaRPr lang="en-IN" sz="6600" b="1" dirty="0">
+              <a:latin typeface="Arial Black" panose="020B0A04020102020204" pitchFamily="34" charset="0"/>
+            </a:endParaRPr>
+          </a:p>
+        </p:txBody>
+      </p:sp>
+    </p:spTree>
+    <p:extLst>
+      <p:ext uri="{BB962C8B-B14F-4D97-AF65-F5344CB8AC3E}">
+        <p14:creationId xmlns:p14="http://schemas.microsoft.com/office/powerpoint/2010/main" val="2829685071"/>
+      </p:ext>
+    </p:extLst>
+  </p:cSld>
+  <p:clrMapOvr>
+    <a:masterClrMapping/>
+  </p:clrMapOvr>
+</p:sld>
+</file>
+
+<file path=ppt/slides/slide11.xml><?xml version="1.0" encoding="utf-8"?>
+<p:sld xmlns:a="http://schemas.openxmlformats.org/drawingml/2006/main" xmlns:r="http://schemas.openxmlformats.org/officeDocument/2006/relationships" xmlns:p="http://schemas.openxmlformats.org/presentationml/2006/main">
+  <p:cSld>
+    <p:spTree>
+      <p:nvGrpSpPr>
+        <p:cNvPr id="1" name=""/>
+        <p:cNvGrpSpPr/>
+        <p:nvPr/>
+      </p:nvGrpSpPr>
+      <p:grpSpPr>
+        <a:xfrm>
+          <a:off x="0" y="0"/>
+          <a:ext cx="0" cy="0"/>
+          <a:chOff x="0" y="0"/>
+          <a:chExt cx="0" cy="0"/>
+        </a:xfrm>
+      </p:grpSpPr>
+      <p:sp>
+        <p:nvSpPr>
+          <p:cNvPr id="4" name="TextBox 3">
+            <a:extLst>
+              <a:ext uri="{FF2B5EF4-FFF2-40B4-BE49-F238E27FC236}">
+                <a16:creationId xmlns:a16="http://schemas.microsoft.com/office/drawing/2014/main" id="{1AC01797-73B0-DDA3-D9FE-A490BCCB9F3C}"/>
+              </a:ext>
+            </a:extLst>
+          </p:cNvPr>
+          <p:cNvSpPr txBox="1"/>
+          <p:nvPr/>
+        </p:nvSpPr>
+        <p:spPr>
+          <a:xfrm>
+            <a:off x="452284" y="580103"/>
+            <a:ext cx="10638503" cy="646331"/>
+          </a:xfrm>
+          <a:prstGeom prst="rect">
+            <a:avLst/>
+          </a:prstGeom>
+          <a:noFill/>
+        </p:spPr>
+        <p:txBody>
+          <a:bodyPr wrap="square" rtlCol="0">
+            <a:spAutoFit/>
+          </a:bodyPr>
+          <a:lstStyle/>
+          <a:p>
+            <a:pPr marL="285750" indent="-285750">
+              <a:buFontTx/>
+              <a:buChar char="-"/>
+            </a:pPr>
+            <a:r>
+              <a:rPr lang="en-IN" dirty="0"/>
+              <a:t>The accounts which need to be selected should be having high variance as they contribute more</a:t>
+            </a:r>
+          </a:p>
+          <a:p>
+            <a:pPr marL="285750" indent="-285750">
+              <a:buFontTx/>
+              <a:buChar char="-"/>
+            </a:pPr>
+            <a:r>
+              <a:rPr lang="en-IN" dirty="0"/>
+              <a:t>Accounts with high variance in covariates should be picked from each segment for the monte </a:t>
+            </a:r>
+            <a:r>
+              <a:rPr lang="en-IN" dirty="0" err="1"/>
+              <a:t>carlo</a:t>
+            </a:r>
+            <a:r>
+              <a:rPr lang="en-IN" dirty="0"/>
+              <a:t> simulation</a:t>
+            </a:r>
+          </a:p>
+        </p:txBody>
+      </p:sp>
+    </p:spTree>
+    <p:extLst>
+      <p:ext uri="{BB962C8B-B14F-4D97-AF65-F5344CB8AC3E}">
+        <p14:creationId xmlns:p14="http://schemas.microsoft.com/office/powerpoint/2010/main" val="694873351"/>
+      </p:ext>
+    </p:extLst>
+  </p:cSld>
+  <p:clrMapOvr>
+    <a:masterClrMapping/>
+  </p:clrMapOvr>
+</p:sld>
+</file>
+
+<file path=ppt/slides/slide12.xml><?xml version="1.0" encoding="utf-8"?>
+<p:sld xmlns:a="http://schemas.openxmlformats.org/drawingml/2006/main" xmlns:r="http://schemas.openxmlformats.org/officeDocument/2006/relationships" xmlns:p="http://schemas.openxmlformats.org/presentationml/2006/main">
+  <p:cSld>
+    <p:spTree>
+      <p:nvGrpSpPr>
+        <p:cNvPr id="1" name=""/>
+        <p:cNvGrpSpPr/>
+        <p:nvPr/>
+      </p:nvGrpSpPr>
+      <p:grpSpPr>
+        <a:xfrm>
+          <a:off x="0" y="0"/>
+          <a:ext cx="0" cy="0"/>
+          <a:chOff x="0" y="0"/>
+          <a:chExt cx="0" cy="0"/>
+        </a:xfrm>
+      </p:grpSpPr>
+      <p:sp>
+        <p:nvSpPr>
+          <p:cNvPr id="2" name="Title 1">
+            <a:extLst>
+              <a:ext uri="{FF2B5EF4-FFF2-40B4-BE49-F238E27FC236}">
+                <a16:creationId xmlns:a16="http://schemas.microsoft.com/office/drawing/2014/main" id="{107CC34C-E975-5012-66F9-1C51EEC4E4C8}"/>
+              </a:ext>
+            </a:extLst>
+          </p:cNvPr>
+          <p:cNvSpPr>
+            <a:spLocks noGrp="1"/>
+          </p:cNvSpPr>
+          <p:nvPr>
+            <p:ph type="title"/>
+          </p:nvPr>
+        </p:nvSpPr>
+        <p:spPr>
+          <a:xfrm>
+            <a:off x="671051" y="2656041"/>
+            <a:ext cx="10515600" cy="1325563"/>
+          </a:xfrm>
+        </p:spPr>
+        <p:txBody>
+          <a:bodyPr>
+            <a:noAutofit/>
+          </a:bodyPr>
+          <a:lstStyle/>
+          <a:p>
+            <a:pPr lvl="1"/>
+            <a:r>
+              <a:rPr lang="en-IN" sz="6600" dirty="0">
+                <a:latin typeface="Arial Black" panose="020B0A04020102020204" pitchFamily="34" charset="0"/>
+              </a:rPr>
+              <a:t>Uncertainty quantification </a:t>
+            </a:r>
+            <a:endParaRPr lang="en-US" sz="6600" dirty="0">
+              <a:latin typeface="Arial Black" panose="020B0A04020102020204" pitchFamily="34" charset="0"/>
+            </a:endParaRPr>
+          </a:p>
+        </p:txBody>
+      </p:sp>
+    </p:spTree>
+    <p:extLst>
+      <p:ext uri="{BB962C8B-B14F-4D97-AF65-F5344CB8AC3E}">
+        <p14:creationId xmlns:p14="http://schemas.microsoft.com/office/powerpoint/2010/main" val="2026463602"/>
+      </p:ext>
+    </p:extLst>
+  </p:cSld>
+  <p:clrMapOvr>
+    <a:masterClrMapping/>
+  </p:clrMapOvr>
+</p:sld>
+</file>
+
+<file path=ppt/slides/slide13.xml><?xml version="1.0" encoding="utf-8"?>
+<p:sld xmlns:a="http://schemas.openxmlformats.org/drawingml/2006/main" xmlns:r="http://schemas.openxmlformats.org/officeDocument/2006/relationships" xmlns:p="http://schemas.openxmlformats.org/presentationml/2006/main">
+  <p:cSld>
+    <p:spTree>
+      <p:nvGrpSpPr>
+        <p:cNvPr id="1" name=""/>
+        <p:cNvGrpSpPr/>
+        <p:nvPr/>
+      </p:nvGrpSpPr>
+      <p:grpSpPr>
+        <a:xfrm>
+          <a:off x="0" y="0"/>
+          <a:ext cx="0" cy="0"/>
+          <a:chOff x="0" y="0"/>
+          <a:chExt cx="0" cy="0"/>
+        </a:xfrm>
+      </p:grpSpPr>
+      <p:sp>
+        <p:nvSpPr>
+          <p:cNvPr id="2" name="Title 1">
+            <a:extLst>
+              <a:ext uri="{FF2B5EF4-FFF2-40B4-BE49-F238E27FC236}">
+                <a16:creationId xmlns:a16="http://schemas.microsoft.com/office/drawing/2014/main" id="{107CC34C-E975-5012-66F9-1C51EEC4E4C8}"/>
+              </a:ext>
+            </a:extLst>
+          </p:cNvPr>
+          <p:cNvSpPr>
+            <a:spLocks noGrp="1"/>
+          </p:cNvSpPr>
+          <p:nvPr>
+            <p:ph type="title"/>
+          </p:nvPr>
+        </p:nvSpPr>
+        <p:spPr>
+          <a:xfrm>
+            <a:off x="671051" y="2656041"/>
+            <a:ext cx="10515600" cy="1325563"/>
+          </a:xfrm>
+        </p:spPr>
+        <p:txBody>
+          <a:bodyPr>
+            <a:noAutofit/>
+          </a:bodyPr>
+          <a:lstStyle/>
+          <a:p>
+            <a:pPr lvl="1"/>
+            <a:r>
+              <a:rPr lang="en-IN" sz="6600" dirty="0">
+                <a:latin typeface="Arial Black" panose="020B0A04020102020204" pitchFamily="34" charset="0"/>
+              </a:rPr>
+              <a:t>Protection of portfolio-level forecasts</a:t>
+            </a:r>
+            <a:endParaRPr lang="en-US" sz="6600" dirty="0">
+              <a:latin typeface="Arial Black" panose="020B0A04020102020204" pitchFamily="34" charset="0"/>
+            </a:endParaRPr>
+          </a:p>
+        </p:txBody>
+      </p:sp>
+    </p:spTree>
+    <p:extLst>
+      <p:ext uri="{BB962C8B-B14F-4D97-AF65-F5344CB8AC3E}">
+        <p14:creationId xmlns:p14="http://schemas.microsoft.com/office/powerpoint/2010/main" val="3949795334"/>
+      </p:ext>
+    </p:extLst>
+  </p:cSld>
+  <p:clrMapOvr>
+    <a:masterClrMapping/>
+  </p:clrMapOvr>
+</p:sld>
+</file>
+
+<file path=ppt/slides/slide14.xml><?xml version="1.0" encoding="utf-8"?>
+<p:sld xmlns:a="http://schemas.openxmlformats.org/drawingml/2006/main" xmlns:r="http://schemas.openxmlformats.org/officeDocument/2006/relationships" xmlns:p="http://schemas.openxmlformats.org/presentationml/2006/main">
+  <p:cSld>
+    <p:spTree>
+      <p:nvGrpSpPr>
+        <p:cNvPr id="1" name=""/>
+        <p:cNvGrpSpPr/>
+        <p:nvPr/>
+      </p:nvGrpSpPr>
+      <p:grpSpPr>
+        <a:xfrm>
+          <a:off x="0" y="0"/>
+          <a:ext cx="0" cy="0"/>
+          <a:chOff x="0" y="0"/>
+          <a:chExt cx="0" cy="0"/>
+        </a:xfrm>
+      </p:grpSpPr>
+      <p:sp>
+        <p:nvSpPr>
+          <p:cNvPr id="2" name="Title 1">
+            <a:extLst>
+              <a:ext uri="{FF2B5EF4-FFF2-40B4-BE49-F238E27FC236}">
+                <a16:creationId xmlns:a16="http://schemas.microsoft.com/office/drawing/2014/main" id="{107CC34C-E975-5012-66F9-1C51EEC4E4C8}"/>
+              </a:ext>
+            </a:extLst>
+          </p:cNvPr>
+          <p:cNvSpPr>
+            <a:spLocks noGrp="1"/>
+          </p:cNvSpPr>
+          <p:nvPr>
+            <p:ph type="title"/>
+          </p:nvPr>
+        </p:nvSpPr>
+        <p:spPr>
+          <a:xfrm>
+            <a:off x="671051" y="2656041"/>
+            <a:ext cx="10515600" cy="1325563"/>
+          </a:xfrm>
+        </p:spPr>
+        <p:txBody>
+          <a:bodyPr>
+            <a:noAutofit/>
+          </a:bodyPr>
+          <a:lstStyle/>
+          <a:p>
+            <a:pPr lvl="1"/>
+            <a:r>
+              <a:rPr lang="en-US" sz="6600" dirty="0">
+                <a:latin typeface="Arial Black" panose="020B0A04020102020204" pitchFamily="34" charset="0"/>
+              </a:rPr>
+              <a:t>Predicting the variance of independent accounts using Gaussian process emulators </a:t>
+            </a:r>
+          </a:p>
+        </p:txBody>
+      </p:sp>
+    </p:spTree>
+    <p:extLst>
+      <p:ext uri="{BB962C8B-B14F-4D97-AF65-F5344CB8AC3E}">
+        <p14:creationId xmlns:p14="http://schemas.microsoft.com/office/powerpoint/2010/main" val="3790592533"/>
       </p:ext>
     </p:extLst>
   </p:cSld>
@@ -3438,42 +3830,116 @@
           <a:chExt cx="0" cy="0"/>
         </a:xfrm>
       </p:grpSpPr>
-      <p:pic>
-        <p:nvPicPr>
-          <p:cNvPr id="7" name="Picture 6">
-            <a:extLst>
-              <a:ext uri="{FF2B5EF4-FFF2-40B4-BE49-F238E27FC236}">
-                <a16:creationId xmlns:a16="http://schemas.microsoft.com/office/drawing/2014/main" id="{4083B4E5-D1A5-4B0F-4932-50B561DE0D06}"/>
-              </a:ext>
-            </a:extLst>
-          </p:cNvPr>
-          <p:cNvPicPr>
-            <a:picLocks noChangeAspect="1"/>
-          </p:cNvPicPr>
-          <p:nvPr/>
-        </p:nvPicPr>
-        <p:blipFill>
-          <a:blip r:embed="rId2"/>
-          <a:stretch>
-            <a:fillRect/>
-          </a:stretch>
-        </p:blipFill>
+      <p:sp>
+        <p:nvSpPr>
+          <p:cNvPr id="3" name="Content Placeholder 2">
+            <a:extLst>
+              <a:ext uri="{FF2B5EF4-FFF2-40B4-BE49-F238E27FC236}">
+                <a16:creationId xmlns:a16="http://schemas.microsoft.com/office/drawing/2014/main" id="{A3923A33-3865-1AEA-80BE-A066A7085AEA}"/>
+              </a:ext>
+            </a:extLst>
+          </p:cNvPr>
+          <p:cNvSpPr>
+            <a:spLocks noGrp="1"/>
+          </p:cNvSpPr>
+          <p:nvPr>
+            <p:ph idx="1"/>
+          </p:nvPr>
+        </p:nvSpPr>
         <p:spPr>
           <a:xfrm>
-            <a:off x="6936765" y="1662971"/>
-            <a:ext cx="5255235" cy="2206923"/>
+            <a:off x="533400" y="2032103"/>
+            <a:ext cx="10515600" cy="4351338"/>
           </a:xfrm>
-          <a:prstGeom prst="rect">
-            <a:avLst/>
-          </a:prstGeom>
         </p:spPr>
-      </p:pic>
-      <p:sp>
-        <p:nvSpPr>
-          <p:cNvPr id="10" name="TextBox 9">
-            <a:extLst>
-              <a:ext uri="{FF2B5EF4-FFF2-40B4-BE49-F238E27FC236}">
-                <a16:creationId xmlns:a16="http://schemas.microsoft.com/office/drawing/2014/main" id="{133CD7AE-124F-1742-37AD-9EA12101ED17}"/>
+        <p:txBody>
+          <a:bodyPr>
+            <a:normAutofit/>
+          </a:bodyPr>
+          <a:lstStyle/>
+          <a:p>
+            <a:r>
+              <a:rPr lang="en-IN" dirty="0"/>
+              <a:t>Challenges &amp; solution</a:t>
+            </a:r>
+          </a:p>
+          <a:p>
+            <a:r>
+              <a:rPr lang="en-IN" dirty="0"/>
+              <a:t>Results</a:t>
+            </a:r>
+          </a:p>
+          <a:p>
+            <a:r>
+              <a:rPr lang="en-IN" dirty="0"/>
+              <a:t>Methods and Details</a:t>
+            </a:r>
+          </a:p>
+          <a:p>
+            <a:pPr lvl="1"/>
+            <a:r>
+              <a:rPr lang="en-IN" dirty="0"/>
+              <a:t>Representative model</a:t>
+            </a:r>
+          </a:p>
+          <a:p>
+            <a:pPr lvl="1"/>
+            <a:r>
+              <a:rPr lang="en-US" dirty="0"/>
+              <a:t>Error analysis and optimal number of </a:t>
+            </a:r>
+            <a:r>
+              <a:rPr lang="en-US" dirty="0" err="1"/>
+              <a:t>realisations</a:t>
+            </a:r>
+            <a:endParaRPr lang="en-US" dirty="0"/>
+          </a:p>
+          <a:p>
+            <a:pPr lvl="1"/>
+            <a:r>
+              <a:rPr lang="en-IN" dirty="0"/>
+              <a:t>Uncertainty quantification </a:t>
+            </a:r>
+            <a:endParaRPr lang="en-US" dirty="0"/>
+          </a:p>
+          <a:p>
+            <a:pPr lvl="1"/>
+            <a:r>
+              <a:rPr lang="en-IN" dirty="0"/>
+              <a:t>Protection of portfolio-level forecasts</a:t>
+            </a:r>
+            <a:endParaRPr lang="en-US" dirty="0"/>
+          </a:p>
+          <a:p>
+            <a:pPr lvl="1"/>
+            <a:r>
+              <a:rPr lang="en-US" dirty="0"/>
+              <a:t>Predicting the variance of independent accounts using Gaussian process emulators </a:t>
+            </a:r>
+          </a:p>
+          <a:p>
+            <a:pPr marL="0" indent="0">
+              <a:buNone/>
+            </a:pPr>
+            <a:endParaRPr lang="en-IN" dirty="0"/>
+          </a:p>
+          <a:p>
+            <a:endParaRPr lang="en-IN" dirty="0"/>
+          </a:p>
+          <a:p>
+            <a:endParaRPr lang="en-IN" dirty="0"/>
+          </a:p>
+          <a:p>
+            <a:endParaRPr lang="en-IN" dirty="0"/>
+          </a:p>
+        </p:txBody>
+      </p:sp>
+      <p:sp>
+        <p:nvSpPr>
+          <p:cNvPr id="4" name="TextBox 3">
+            <a:extLst>
+              <a:ext uri="{FF2B5EF4-FFF2-40B4-BE49-F238E27FC236}">
+                <a16:creationId xmlns:a16="http://schemas.microsoft.com/office/drawing/2014/main" id="{BFD2C131-14E1-E4AF-6A3A-520291AE7B18}"/>
               </a:ext>
             </a:extLst>
           </p:cNvPr>
@@ -3482,8 +3948,8 @@
         </p:nvSpPr>
         <p:spPr>
           <a:xfrm>
-            <a:off x="288234" y="864705"/>
-            <a:ext cx="6758609" cy="5847755"/>
+            <a:off x="533400" y="294968"/>
+            <a:ext cx="8610600" cy="1323439"/>
           </a:xfrm>
           <a:prstGeom prst="rect">
             <a:avLst/>
@@ -3497,140 +3963,16 @@
           <a:lstStyle/>
           <a:p>
             <a:r>
-              <a:rPr lang="en-IN" sz="2000" dirty="0"/>
-              <a:t>1</a:t>
-            </a:r>
-            <a:r>
-              <a:rPr lang="en-IN" sz="2000" baseline="30000" dirty="0"/>
-              <a:t>st</a:t>
-            </a:r>
-            <a:r>
-              <a:rPr lang="en-IN" sz="2000" dirty="0"/>
-              <a:t> section</a:t>
-            </a:r>
-          </a:p>
-          <a:p>
-            <a:endParaRPr lang="en-IN" sz="2000" dirty="0"/>
-          </a:p>
-          <a:p>
-            <a:r>
-              <a:rPr lang="en-IN" sz="2000" dirty="0"/>
-              <a:t>-Forecasting round-</a:t>
-            </a:r>
-          </a:p>
-          <a:p>
-            <a:pPr marL="285750" indent="-285750">
-              <a:buFontTx/>
-              <a:buChar char="-"/>
-            </a:pPr>
-            <a:r>
-              <a:rPr lang="en-IN" sz="2000" dirty="0"/>
-              <a:t>estimate no debt recovery of NPL</a:t>
-            </a:r>
-          </a:p>
-          <a:p>
-            <a:pPr marL="285750" indent="-285750">
-              <a:buFontTx/>
-              <a:buChar char="-"/>
-            </a:pPr>
-            <a:r>
-              <a:rPr lang="en-IN" sz="2000" dirty="0"/>
-              <a:t>All account, multiple realization from individual account (logistic regression outcome ) aggregated to find population estimate</a:t>
-            </a:r>
-          </a:p>
-          <a:p>
-            <a:pPr marL="285750" indent="-285750">
-              <a:buFontTx/>
-              <a:buChar char="-"/>
-            </a:pPr>
-            <a:r>
-              <a:rPr lang="en-IN" sz="2000" dirty="0"/>
-              <a:t>Update it</a:t>
-            </a:r>
-          </a:p>
-          <a:p>
-            <a:pPr marL="285750" indent="-285750">
-              <a:buFontTx/>
-              <a:buChar char="-"/>
-            </a:pPr>
-            <a:endParaRPr lang="en-IN" sz="2000" dirty="0"/>
-          </a:p>
-          <a:p>
-            <a:r>
-              <a:rPr lang="en-IN" sz="2000" dirty="0"/>
-              <a:t>Input</a:t>
-            </a:r>
-          </a:p>
-          <a:p>
-            <a:r>
-              <a:rPr lang="en-IN" sz="2000" dirty="0"/>
-              <a:t>-payment behaviour </a:t>
-            </a:r>
-            <a:r>
-              <a:rPr lang="en-IN" sz="2000" dirty="0" err="1"/>
-              <a:t>upto</a:t>
-            </a:r>
-            <a:r>
-              <a:rPr lang="en-IN" sz="2000" dirty="0"/>
-              <a:t> 7 years of each account</a:t>
-            </a:r>
-          </a:p>
-          <a:p>
-            <a:endParaRPr lang="en-IN" sz="2000" dirty="0"/>
-          </a:p>
-          <a:p>
-            <a:r>
-              <a:rPr lang="en-IN" sz="2000" dirty="0"/>
-              <a:t>output</a:t>
-            </a:r>
-          </a:p>
-          <a:p>
-            <a:pPr marL="285750" indent="-285750">
-              <a:buFontTx/>
-              <a:buChar char="-"/>
-            </a:pPr>
-            <a:r>
-              <a:rPr lang="en-IN" sz="2000" dirty="0"/>
-              <a:t>total monthly amount calculated for the next 7 years – 84 points</a:t>
-            </a:r>
-          </a:p>
-          <a:p>
-            <a:pPr marL="285750" indent="-285750">
-              <a:buFontTx/>
-              <a:buChar char="-"/>
-            </a:pPr>
-            <a:r>
-              <a:rPr lang="en-IN" sz="2000" dirty="0"/>
-              <a:t>Probability of that payment</a:t>
-            </a:r>
-          </a:p>
-          <a:p>
-            <a:pPr marL="285750" indent="-285750">
-              <a:buFontTx/>
-              <a:buChar char="-"/>
-            </a:pPr>
-            <a:endParaRPr lang="en-IN" dirty="0"/>
-          </a:p>
-          <a:p>
-            <a:pPr marL="285750" indent="-285750">
-              <a:buFontTx/>
-              <a:buChar char="-"/>
-            </a:pPr>
-            <a:endParaRPr lang="en-IN" dirty="0"/>
-          </a:p>
-          <a:p>
-            <a:pPr marL="285750" indent="-285750">
-              <a:buFontTx/>
-              <a:buChar char="-"/>
-            </a:pPr>
-            <a:endParaRPr lang="en-IN" dirty="0"/>
+              <a:rPr lang="en-IN" sz="8000" b="1" dirty="0"/>
+              <a:t>INDEX</a:t>
+            </a:r>
           </a:p>
         </p:txBody>
       </p:sp>
     </p:spTree>
     <p:extLst>
       <p:ext uri="{BB962C8B-B14F-4D97-AF65-F5344CB8AC3E}">
-        <p14:creationId xmlns:p14="http://schemas.microsoft.com/office/powerpoint/2010/main" val="3464217566"/>
+        <p14:creationId xmlns:p14="http://schemas.microsoft.com/office/powerpoint/2010/main" val="4054471052"/>
       </p:ext>
     </p:extLst>
   </p:cSld>
@@ -3657,6 +3999,1016 @@
           <a:chExt cx="0" cy="0"/>
         </a:xfrm>
       </p:grpSpPr>
+      <p:sp>
+        <p:nvSpPr>
+          <p:cNvPr id="2" name="Title 1">
+            <a:extLst>
+              <a:ext uri="{FF2B5EF4-FFF2-40B4-BE49-F238E27FC236}">
+                <a16:creationId xmlns:a16="http://schemas.microsoft.com/office/drawing/2014/main" id="{107CC34C-E975-5012-66F9-1C51EEC4E4C8}"/>
+              </a:ext>
+            </a:extLst>
+          </p:cNvPr>
+          <p:cNvSpPr>
+            <a:spLocks noGrp="1"/>
+          </p:cNvSpPr>
+          <p:nvPr>
+            <p:ph type="title"/>
+          </p:nvPr>
+        </p:nvSpPr>
+        <p:spPr>
+          <a:xfrm>
+            <a:off x="671051" y="2656041"/>
+            <a:ext cx="10515600" cy="1325563"/>
+          </a:xfrm>
+        </p:spPr>
+        <p:txBody>
+          <a:bodyPr>
+            <a:normAutofit fontScale="90000"/>
+          </a:bodyPr>
+          <a:lstStyle/>
+          <a:p>
+            <a:r>
+              <a:rPr lang="en-IN" sz="6600" b="1" dirty="0">
+                <a:latin typeface="Arial Black" panose="020B0A04020102020204" pitchFamily="34" charset="0"/>
+              </a:rPr>
+              <a:t>Challenges &amp; </a:t>
+            </a:r>
+            <a:br>
+              <a:rPr lang="en-IN" sz="6600" b="1" dirty="0">
+                <a:latin typeface="Arial Black" panose="020B0A04020102020204" pitchFamily="34" charset="0"/>
+              </a:rPr>
+            </a:br>
+            <a:r>
+              <a:rPr lang="en-IN" sz="6600" b="1" dirty="0">
+                <a:latin typeface="Arial Black" panose="020B0A04020102020204" pitchFamily="34" charset="0"/>
+              </a:rPr>
+              <a:t>Solutions</a:t>
+            </a:r>
+          </a:p>
+        </p:txBody>
+      </p:sp>
+    </p:spTree>
+    <p:extLst>
+      <p:ext uri="{BB962C8B-B14F-4D97-AF65-F5344CB8AC3E}">
+        <p14:creationId xmlns:p14="http://schemas.microsoft.com/office/powerpoint/2010/main" val="4122199260"/>
+      </p:ext>
+    </p:extLst>
+  </p:cSld>
+  <p:clrMapOvr>
+    <a:masterClrMapping/>
+  </p:clrMapOvr>
+</p:sld>
+</file>
+
+<file path=ppt/slides/slide4.xml><?xml version="1.0" encoding="utf-8"?>
+<p:sld xmlns:a="http://schemas.openxmlformats.org/drawingml/2006/main" xmlns:r="http://schemas.openxmlformats.org/officeDocument/2006/relationships" xmlns:p="http://schemas.openxmlformats.org/presentationml/2006/main">
+  <p:cSld>
+    <p:spTree>
+      <p:nvGrpSpPr>
+        <p:cNvPr id="1" name=""/>
+        <p:cNvGrpSpPr/>
+        <p:nvPr/>
+      </p:nvGrpSpPr>
+      <p:grpSpPr>
+        <a:xfrm>
+          <a:off x="0" y="0"/>
+          <a:ext cx="0" cy="0"/>
+          <a:chOff x="0" y="0"/>
+          <a:chExt cx="0" cy="0"/>
+        </a:xfrm>
+      </p:grpSpPr>
+      <p:sp>
+        <p:nvSpPr>
+          <p:cNvPr id="4" name="TextBox 3">
+            <a:extLst>
+              <a:ext uri="{FF2B5EF4-FFF2-40B4-BE49-F238E27FC236}">
+                <a16:creationId xmlns:a16="http://schemas.microsoft.com/office/drawing/2014/main" id="{74CC8A1D-D6C2-788C-E079-AAF751EA0DB3}"/>
+              </a:ext>
+            </a:extLst>
+          </p:cNvPr>
+          <p:cNvSpPr txBox="1"/>
+          <p:nvPr/>
+        </p:nvSpPr>
+        <p:spPr>
+          <a:xfrm>
+            <a:off x="1032386" y="262712"/>
+            <a:ext cx="9409471" cy="3477875"/>
+          </a:xfrm>
+          <a:prstGeom prst="rect">
+            <a:avLst/>
+          </a:prstGeom>
+          <a:noFill/>
+        </p:spPr>
+        <p:txBody>
+          <a:bodyPr wrap="square" rtlCol="0">
+            <a:spAutoFit/>
+          </a:bodyPr>
+          <a:lstStyle/>
+          <a:p>
+            <a:r>
+              <a:rPr lang="en-IN" sz="2000" b="1" dirty="0"/>
+              <a:t>Challenge</a:t>
+            </a:r>
+          </a:p>
+          <a:p>
+            <a:pPr marL="285750" indent="-285750">
+              <a:buFontTx/>
+              <a:buChar char="-"/>
+            </a:pPr>
+            <a:r>
+              <a:rPr lang="en-IN" sz="2000" dirty="0"/>
+              <a:t>Have to predict probability of payment for each account for each month in next 7 years (84 points)</a:t>
+            </a:r>
+          </a:p>
+          <a:p>
+            <a:pPr marL="285750" indent="-285750">
+              <a:buFontTx/>
+              <a:buChar char="-"/>
+            </a:pPr>
+            <a:r>
+              <a:rPr lang="en-IN" sz="2000" dirty="0"/>
+              <a:t>Have to use individual level forecast which is aggregated to make population level forecast on a biannual basis called </a:t>
+            </a:r>
+            <a:r>
+              <a:rPr lang="en-IN" sz="2000" b="1" dirty="0"/>
+              <a:t>forecasting rounds</a:t>
+            </a:r>
+          </a:p>
+          <a:p>
+            <a:pPr marL="285750" indent="-285750">
+              <a:buFontTx/>
+              <a:buChar char="-"/>
+            </a:pPr>
+            <a:r>
+              <a:rPr lang="en-IN" sz="2000" dirty="0"/>
+              <a:t>Need to use monte Carlo simulation because there are lot of random factors</a:t>
+            </a:r>
+          </a:p>
+          <a:p>
+            <a:pPr marL="285750" indent="-285750">
+              <a:buFontTx/>
+              <a:buChar char="-"/>
+            </a:pPr>
+            <a:r>
+              <a:rPr lang="en-IN" sz="2000" dirty="0"/>
+              <a:t>Using monte Carlo is expensive because there are millions of heterogenous accounts, even though model is simple logistic regression to find the probability of payment</a:t>
+            </a:r>
+          </a:p>
+          <a:p>
+            <a:pPr marL="285750" indent="-285750">
+              <a:buFontTx/>
+              <a:buChar char="-"/>
+            </a:pPr>
+            <a:r>
+              <a:rPr lang="en-IN" sz="2000" dirty="0"/>
+              <a:t>Since there are so many accounts its outcomes are limited and the simulation will be too expensive to carry for all accounts, we don’t know how to use the limited amount of outcomes and if we are using it with how much certainty can we say</a:t>
+            </a:r>
+          </a:p>
+        </p:txBody>
+      </p:sp>
+      <p:sp>
+        <p:nvSpPr>
+          <p:cNvPr id="6" name="TextBox 5">
+            <a:extLst>
+              <a:ext uri="{FF2B5EF4-FFF2-40B4-BE49-F238E27FC236}">
+                <a16:creationId xmlns:a16="http://schemas.microsoft.com/office/drawing/2014/main" id="{856E8D20-0862-4622-61DC-26A33263E5C4}"/>
+              </a:ext>
+            </a:extLst>
+          </p:cNvPr>
+          <p:cNvSpPr txBox="1"/>
+          <p:nvPr/>
+        </p:nvSpPr>
+        <p:spPr>
+          <a:xfrm>
+            <a:off x="1032387" y="4348519"/>
+            <a:ext cx="9409471" cy="2246769"/>
+          </a:xfrm>
+          <a:prstGeom prst="rect">
+            <a:avLst/>
+          </a:prstGeom>
+          <a:noFill/>
+        </p:spPr>
+        <p:txBody>
+          <a:bodyPr wrap="square" rtlCol="0">
+            <a:spAutoFit/>
+          </a:bodyPr>
+          <a:lstStyle/>
+          <a:p>
+            <a:r>
+              <a:rPr lang="en-IN" sz="2000" b="1" dirty="0"/>
+              <a:t>Solution</a:t>
+            </a:r>
+          </a:p>
+          <a:p>
+            <a:pPr marL="285750" indent="-285750">
+              <a:buFontTx/>
+              <a:buChar char="-"/>
+            </a:pPr>
+            <a:r>
+              <a:rPr lang="en-IN" sz="2000" dirty="0"/>
+              <a:t>Creating an efficient monte </a:t>
+            </a:r>
+            <a:r>
+              <a:rPr lang="en-IN" sz="2000" dirty="0" err="1"/>
+              <a:t>carlo</a:t>
+            </a:r>
+            <a:r>
+              <a:rPr lang="en-IN" sz="2000" dirty="0"/>
+              <a:t> simulation to give only required outcomes or predictions by reducing variance </a:t>
+            </a:r>
+          </a:p>
+          <a:p>
+            <a:pPr marL="285750" indent="-285750">
+              <a:buFontTx/>
+              <a:buChar char="-"/>
+            </a:pPr>
+            <a:r>
+              <a:rPr lang="en-IN" sz="2000" dirty="0"/>
+              <a:t>Uncertainty interval in the aggregated forecast</a:t>
+            </a:r>
+          </a:p>
+          <a:p>
+            <a:pPr marL="285750" indent="-285750">
+              <a:buFontTx/>
+              <a:buChar char="-"/>
+            </a:pPr>
+            <a:r>
+              <a:rPr lang="en-IN" sz="2000" dirty="0"/>
+              <a:t>To implement the above 2 things we make gaussian process emulator for prediction interval and efficient </a:t>
+            </a:r>
+            <a:r>
+              <a:rPr lang="en-IN" sz="2000" dirty="0" err="1"/>
+              <a:t>carlo</a:t>
+            </a:r>
+            <a:r>
+              <a:rPr lang="en-IN" sz="2000" dirty="0"/>
+              <a:t> outcomes</a:t>
+            </a:r>
+          </a:p>
+          <a:p>
+            <a:pPr marL="285750" indent="-285750">
+              <a:buFontTx/>
+              <a:buChar char="-"/>
+            </a:pPr>
+            <a:endParaRPr lang="en-IN" sz="2000" dirty="0"/>
+          </a:p>
+        </p:txBody>
+      </p:sp>
+    </p:spTree>
+    <p:extLst>
+      <p:ext uri="{BB962C8B-B14F-4D97-AF65-F5344CB8AC3E}">
+        <p14:creationId xmlns:p14="http://schemas.microsoft.com/office/powerpoint/2010/main" val="1748547168"/>
+      </p:ext>
+    </p:extLst>
+  </p:cSld>
+  <p:clrMapOvr>
+    <a:masterClrMapping/>
+  </p:clrMapOvr>
+</p:sld>
+</file>
+
+<file path=ppt/slides/slide5.xml><?xml version="1.0" encoding="utf-8"?>
+<p:sld xmlns:a="http://schemas.openxmlformats.org/drawingml/2006/main" xmlns:r="http://schemas.openxmlformats.org/officeDocument/2006/relationships" xmlns:p="http://schemas.openxmlformats.org/presentationml/2006/main">
+  <p:cSld>
+    <p:spTree>
+      <p:nvGrpSpPr>
+        <p:cNvPr id="1" name=""/>
+        <p:cNvGrpSpPr/>
+        <p:nvPr/>
+      </p:nvGrpSpPr>
+      <p:grpSpPr>
+        <a:xfrm>
+          <a:off x="0" y="0"/>
+          <a:ext cx="0" cy="0"/>
+          <a:chOff x="0" y="0"/>
+          <a:chExt cx="0" cy="0"/>
+        </a:xfrm>
+      </p:grpSpPr>
+      <p:sp>
+        <p:nvSpPr>
+          <p:cNvPr id="2" name="Title 1">
+            <a:extLst>
+              <a:ext uri="{FF2B5EF4-FFF2-40B4-BE49-F238E27FC236}">
+                <a16:creationId xmlns:a16="http://schemas.microsoft.com/office/drawing/2014/main" id="{107CC34C-E975-5012-66F9-1C51EEC4E4C8}"/>
+              </a:ext>
+            </a:extLst>
+          </p:cNvPr>
+          <p:cNvSpPr>
+            <a:spLocks noGrp="1"/>
+          </p:cNvSpPr>
+          <p:nvPr>
+            <p:ph type="title"/>
+          </p:nvPr>
+        </p:nvSpPr>
+        <p:spPr>
+          <a:xfrm>
+            <a:off x="671051" y="2656041"/>
+            <a:ext cx="10515600" cy="1325563"/>
+          </a:xfrm>
+        </p:spPr>
+        <p:txBody>
+          <a:bodyPr>
+            <a:normAutofit/>
+          </a:bodyPr>
+          <a:lstStyle/>
+          <a:p>
+            <a:r>
+              <a:rPr lang="en-IN" sz="6600" b="1" dirty="0">
+                <a:latin typeface="Arial Black" panose="020B0A04020102020204" pitchFamily="34" charset="0"/>
+              </a:rPr>
+              <a:t>Results</a:t>
+            </a:r>
+          </a:p>
+        </p:txBody>
+      </p:sp>
+    </p:spTree>
+    <p:extLst>
+      <p:ext uri="{BB962C8B-B14F-4D97-AF65-F5344CB8AC3E}">
+        <p14:creationId xmlns:p14="http://schemas.microsoft.com/office/powerpoint/2010/main" val="4149933670"/>
+      </p:ext>
+    </p:extLst>
+  </p:cSld>
+  <p:clrMapOvr>
+    <a:masterClrMapping/>
+  </p:clrMapOvr>
+</p:sld>
+</file>
+
+<file path=ppt/slides/slide6.xml><?xml version="1.0" encoding="utf-8"?>
+<p:sld xmlns:a="http://schemas.openxmlformats.org/drawingml/2006/main" xmlns:r="http://schemas.openxmlformats.org/officeDocument/2006/relationships" xmlns:p="http://schemas.openxmlformats.org/presentationml/2006/main">
+  <p:cSld>
+    <p:spTree>
+      <p:nvGrpSpPr>
+        <p:cNvPr id="1" name=""/>
+        <p:cNvGrpSpPr/>
+        <p:nvPr/>
+      </p:nvGrpSpPr>
+      <p:grpSpPr>
+        <a:xfrm>
+          <a:off x="0" y="0"/>
+          <a:ext cx="0" cy="0"/>
+          <a:chOff x="0" y="0"/>
+          <a:chExt cx="0" cy="0"/>
+        </a:xfrm>
+      </p:grpSpPr>
+      <p:sp>
+        <p:nvSpPr>
+          <p:cNvPr id="2" name="Title 1">
+            <a:extLst>
+              <a:ext uri="{FF2B5EF4-FFF2-40B4-BE49-F238E27FC236}">
+                <a16:creationId xmlns:a16="http://schemas.microsoft.com/office/drawing/2014/main" id="{107CC34C-E975-5012-66F9-1C51EEC4E4C8}"/>
+              </a:ext>
+            </a:extLst>
+          </p:cNvPr>
+          <p:cNvSpPr>
+            <a:spLocks noGrp="1"/>
+          </p:cNvSpPr>
+          <p:nvPr>
+            <p:ph type="title"/>
+          </p:nvPr>
+        </p:nvSpPr>
+        <p:spPr>
+          <a:xfrm>
+            <a:off x="671051" y="2656041"/>
+            <a:ext cx="10515600" cy="1325563"/>
+          </a:xfrm>
+        </p:spPr>
+        <p:txBody>
+          <a:bodyPr>
+            <a:normAutofit/>
+          </a:bodyPr>
+          <a:lstStyle/>
+          <a:p>
+            <a:r>
+              <a:rPr lang="en-IN" sz="6600" b="1" dirty="0">
+                <a:latin typeface="Arial Black" panose="020B0A04020102020204" pitchFamily="34" charset="0"/>
+              </a:rPr>
+              <a:t>Representative model</a:t>
+            </a:r>
+          </a:p>
+        </p:txBody>
+      </p:sp>
+    </p:spTree>
+    <p:extLst>
+      <p:ext uri="{BB962C8B-B14F-4D97-AF65-F5344CB8AC3E}">
+        <p14:creationId xmlns:p14="http://schemas.microsoft.com/office/powerpoint/2010/main" val="4117583900"/>
+      </p:ext>
+    </p:extLst>
+  </p:cSld>
+  <p:clrMapOvr>
+    <a:masterClrMapping/>
+  </p:clrMapOvr>
+</p:sld>
+</file>
+
+<file path=ppt/slides/slide7.xml><?xml version="1.0" encoding="utf-8"?>
+<p:sld xmlns:a="http://schemas.openxmlformats.org/drawingml/2006/main" xmlns:r="http://schemas.openxmlformats.org/officeDocument/2006/relationships" xmlns:p="http://schemas.openxmlformats.org/presentationml/2006/main">
+  <p:cSld>
+    <p:spTree>
+      <p:nvGrpSpPr>
+        <p:cNvPr id="1" name=""/>
+        <p:cNvGrpSpPr/>
+        <p:nvPr/>
+      </p:nvGrpSpPr>
+      <p:grpSpPr>
+        <a:xfrm>
+          <a:off x="0" y="0"/>
+          <a:ext cx="0" cy="0"/>
+          <a:chOff x="0" y="0"/>
+          <a:chExt cx="0" cy="0"/>
+        </a:xfrm>
+      </p:grpSpPr>
+      <p:pic>
+        <p:nvPicPr>
+          <p:cNvPr id="7" name="Picture 6">
+            <a:extLst>
+              <a:ext uri="{FF2B5EF4-FFF2-40B4-BE49-F238E27FC236}">
+                <a16:creationId xmlns:a16="http://schemas.microsoft.com/office/drawing/2014/main" id="{4083B4E5-D1A5-4B0F-4932-50B561DE0D06}"/>
+              </a:ext>
+            </a:extLst>
+          </p:cNvPr>
+          <p:cNvPicPr>
+            <a:picLocks noChangeAspect="1"/>
+          </p:cNvPicPr>
+          <p:nvPr/>
+        </p:nvPicPr>
+        <p:blipFill>
+          <a:blip r:embed="rId2"/>
+          <a:stretch>
+            <a:fillRect/>
+          </a:stretch>
+        </p:blipFill>
+        <p:spPr>
+          <a:xfrm>
+            <a:off x="6484480" y="571590"/>
+            <a:ext cx="5255235" cy="2206923"/>
+          </a:xfrm>
+          <a:prstGeom prst="rect">
+            <a:avLst/>
+          </a:prstGeom>
+        </p:spPr>
+      </p:pic>
+      <p:sp>
+        <p:nvSpPr>
+          <p:cNvPr id="11" name="TextBox 10">
+            <a:extLst>
+              <a:ext uri="{FF2B5EF4-FFF2-40B4-BE49-F238E27FC236}">
+                <a16:creationId xmlns:a16="http://schemas.microsoft.com/office/drawing/2014/main" id="{731385C7-8AC4-3750-443B-431BD4ADCF48}"/>
+              </a:ext>
+            </a:extLst>
+          </p:cNvPr>
+          <p:cNvSpPr txBox="1"/>
+          <p:nvPr/>
+        </p:nvSpPr>
+        <p:spPr>
+          <a:xfrm>
+            <a:off x="452285" y="258035"/>
+            <a:ext cx="5348748" cy="6247864"/>
+          </a:xfrm>
+          <a:prstGeom prst="rect">
+            <a:avLst/>
+          </a:prstGeom>
+          <a:noFill/>
+        </p:spPr>
+        <p:txBody>
+          <a:bodyPr wrap="square" rtlCol="0">
+            <a:spAutoFit/>
+          </a:bodyPr>
+          <a:lstStyle/>
+          <a:p>
+            <a:r>
+              <a:rPr lang="en-IN" sz="1600" b="1" dirty="0"/>
+              <a:t>Population</a:t>
+            </a:r>
+          </a:p>
+          <a:p>
+            <a:r>
+              <a:rPr lang="en-IN" sz="1600" dirty="0"/>
+              <a:t>Accounts </a:t>
+            </a:r>
+            <a:r>
+              <a:rPr lang="en-US" sz="1600" dirty="0"/>
+              <a:t>has accumulated over more than a decade and is composed of a wide variety of products, from loans, overdrafts, and credit cards to mail order credit, telecommunication debt, and student loans. As such the portfolio is highly heterogeneous, and the model is complex. </a:t>
+            </a:r>
+          </a:p>
+          <a:p>
+            <a:endParaRPr lang="en-US" sz="1600" dirty="0"/>
+          </a:p>
+          <a:p>
+            <a:r>
+              <a:rPr lang="en-US" sz="1600" b="1" dirty="0"/>
+              <a:t>Representative</a:t>
+            </a:r>
+            <a:r>
+              <a:rPr lang="en-US" sz="1600" dirty="0"/>
+              <a:t> model used to simplify the AGL model and shares the main characteristics of AGL’s model.</a:t>
+            </a:r>
+          </a:p>
+          <a:p>
+            <a:endParaRPr lang="en-US" sz="1600" dirty="0"/>
+          </a:p>
+          <a:p>
+            <a:r>
+              <a:rPr lang="en-US" sz="1600" b="1" dirty="0"/>
+              <a:t>Model Parameters</a:t>
+            </a:r>
+          </a:p>
+          <a:p>
+            <a:r>
+              <a:rPr lang="en-US" sz="1600" dirty="0"/>
+              <a:t>Uses logistic regression time series to give output </a:t>
+            </a:r>
+            <a:r>
+              <a:rPr lang="en-US" sz="1600" b="1" dirty="0"/>
+              <a:t>Pit </a:t>
+            </a:r>
+            <a:r>
+              <a:rPr lang="en-US" sz="1600" dirty="0"/>
+              <a:t>which is probability of payment for next month using inputs of previous month. The inputs are </a:t>
+            </a:r>
+          </a:p>
+          <a:p>
+            <a:pPr marL="285750" indent="-285750">
+              <a:buFontTx/>
+              <a:buChar char="-"/>
+            </a:pPr>
+            <a:r>
+              <a:rPr lang="en-US" sz="1600" b="1" dirty="0" err="1"/>
+              <a:t>Xit</a:t>
+            </a:r>
+            <a:r>
+              <a:rPr lang="en-US" sz="1600" b="1" dirty="0"/>
+              <a:t>(collection amount), </a:t>
+            </a:r>
+            <a:r>
+              <a:rPr lang="en-US" sz="1600" dirty="0"/>
+              <a:t>the amount paid by the customer</a:t>
+            </a:r>
+            <a:endParaRPr lang="en-US" sz="1600" b="1" dirty="0"/>
+          </a:p>
+          <a:p>
+            <a:pPr marL="285750" indent="-285750">
+              <a:buFontTx/>
+              <a:buChar char="-"/>
+            </a:pPr>
+            <a:r>
+              <a:rPr lang="en-US" sz="1600" b="1" dirty="0" err="1"/>
+              <a:t>Yit</a:t>
+            </a:r>
+            <a:r>
+              <a:rPr lang="en-US" sz="1600" b="1" dirty="0"/>
+              <a:t>(Payment indicator), </a:t>
+            </a:r>
+            <a:r>
+              <a:rPr lang="en-US" sz="1600" dirty="0"/>
+              <a:t>1 or 0 </a:t>
+            </a:r>
+          </a:p>
+          <a:p>
+            <a:pPr marL="285750" indent="-285750">
+              <a:buFontTx/>
+              <a:buChar char="-"/>
+            </a:pPr>
+            <a:r>
+              <a:rPr lang="en-US" sz="1600" b="1" dirty="0"/>
+              <a:t>Zit(Covariates</a:t>
+            </a:r>
+            <a:r>
+              <a:rPr lang="en-IN" sz="1600" dirty="0"/>
+              <a:t>(Bit, Cit, Sit, </a:t>
+            </a:r>
+            <a:r>
+              <a:rPr lang="en-IN" sz="1600" dirty="0" err="1"/>
+              <a:t>Eit</a:t>
+            </a:r>
+            <a:r>
+              <a:rPr lang="en-IN" sz="1600" dirty="0"/>
+              <a:t>)</a:t>
+            </a:r>
+            <a:r>
+              <a:rPr lang="en-US" sz="1600" b="1" dirty="0"/>
+              <a:t>)</a:t>
+            </a:r>
+          </a:p>
+          <a:p>
+            <a:pPr marL="742950" lvl="1" indent="-285750">
+              <a:buFontTx/>
+              <a:buChar char="-"/>
+            </a:pPr>
+            <a:r>
+              <a:rPr lang="en-US" sz="1600" b="1" dirty="0"/>
+              <a:t>Bit,</a:t>
+            </a:r>
+            <a:r>
+              <a:rPr lang="en-US" sz="1600" dirty="0"/>
+              <a:t> balance amount</a:t>
+            </a:r>
+          </a:p>
+          <a:p>
+            <a:pPr marL="742950" lvl="1" indent="-285750">
+              <a:buFontTx/>
+              <a:buChar char="-"/>
+            </a:pPr>
+            <a:r>
+              <a:rPr lang="en-US" sz="1600" b="1" dirty="0"/>
+              <a:t>Cit, </a:t>
+            </a:r>
+            <a:r>
+              <a:rPr lang="en-US" sz="1600" dirty="0"/>
+              <a:t>credit score</a:t>
+            </a:r>
+          </a:p>
+          <a:p>
+            <a:pPr marL="742950" lvl="1" indent="-285750">
+              <a:buFontTx/>
+              <a:buChar char="-"/>
+            </a:pPr>
+            <a:r>
+              <a:rPr lang="en-US" sz="1600" b="1" dirty="0"/>
+              <a:t>Sit, </a:t>
+            </a:r>
+            <a:r>
+              <a:rPr lang="en-US" sz="1600" dirty="0"/>
+              <a:t>operational segment</a:t>
+            </a:r>
+          </a:p>
+          <a:p>
+            <a:pPr marL="742950" lvl="1" indent="-285750">
+              <a:buFontTx/>
+              <a:buChar char="-"/>
+            </a:pPr>
+            <a:r>
+              <a:rPr lang="en-US" sz="1600" b="1" dirty="0" err="1"/>
+              <a:t>Eit</a:t>
+            </a:r>
+            <a:r>
+              <a:rPr lang="en-US" sz="1600" b="1" dirty="0"/>
+              <a:t>,</a:t>
+            </a:r>
+            <a:r>
+              <a:rPr lang="en-US" sz="1600" dirty="0"/>
+              <a:t> eligibility indicator</a:t>
+            </a:r>
+          </a:p>
+          <a:p>
+            <a:r>
+              <a:rPr lang="en-US" sz="1600" dirty="0"/>
+              <a:t>Where</a:t>
+            </a:r>
+          </a:p>
+          <a:p>
+            <a:r>
+              <a:rPr lang="en-US" sz="1600" dirty="0" err="1"/>
+              <a:t>i</a:t>
+            </a:r>
+            <a:r>
+              <a:rPr lang="en-US" sz="1600" dirty="0"/>
+              <a:t> ranges from 1 to N,</a:t>
+            </a:r>
+          </a:p>
+          <a:p>
+            <a:r>
+              <a:rPr lang="en-US" sz="1600" dirty="0"/>
+              <a:t>t ranges from 1 to 12*7= 84 months</a:t>
+            </a:r>
+          </a:p>
+          <a:p>
+            <a:endParaRPr lang="en-IN" sz="1600" dirty="0"/>
+          </a:p>
+        </p:txBody>
+      </p:sp>
+      <p:pic>
+        <p:nvPicPr>
+          <p:cNvPr id="13" name="Picture 12">
+            <a:extLst>
+              <a:ext uri="{FF2B5EF4-FFF2-40B4-BE49-F238E27FC236}">
+                <a16:creationId xmlns:a16="http://schemas.microsoft.com/office/drawing/2014/main" id="{A6187CC6-91B0-863B-56F3-9F88482EB498}"/>
+              </a:ext>
+            </a:extLst>
+          </p:cNvPr>
+          <p:cNvPicPr>
+            <a:picLocks noChangeAspect="1"/>
+          </p:cNvPicPr>
+          <p:nvPr/>
+        </p:nvPicPr>
+        <p:blipFill>
+          <a:blip r:embed="rId3"/>
+          <a:stretch>
+            <a:fillRect/>
+          </a:stretch>
+        </p:blipFill>
+        <p:spPr>
+          <a:xfrm>
+            <a:off x="7157406" y="5220070"/>
+            <a:ext cx="3698869" cy="1066340"/>
+          </a:xfrm>
+          <a:prstGeom prst="rect">
+            <a:avLst/>
+          </a:prstGeom>
+        </p:spPr>
+      </p:pic>
+      <p:pic>
+        <p:nvPicPr>
+          <p:cNvPr id="15" name="Picture 14">
+            <a:extLst>
+              <a:ext uri="{FF2B5EF4-FFF2-40B4-BE49-F238E27FC236}">
+                <a16:creationId xmlns:a16="http://schemas.microsoft.com/office/drawing/2014/main" id="{58AB9746-F969-6976-6D93-91E98F60056B}"/>
+              </a:ext>
+            </a:extLst>
+          </p:cNvPr>
+          <p:cNvPicPr>
+            <a:picLocks noChangeAspect="1"/>
+          </p:cNvPicPr>
+          <p:nvPr/>
+        </p:nvPicPr>
+        <p:blipFill>
+          <a:blip r:embed="rId4"/>
+          <a:stretch>
+            <a:fillRect/>
+          </a:stretch>
+        </p:blipFill>
+        <p:spPr>
+          <a:xfrm>
+            <a:off x="6096000" y="3509217"/>
+            <a:ext cx="5617434" cy="1140542"/>
+          </a:xfrm>
+          <a:prstGeom prst="rect">
+            <a:avLst/>
+          </a:prstGeom>
+        </p:spPr>
+      </p:pic>
+    </p:spTree>
+    <p:extLst>
+      <p:ext uri="{BB962C8B-B14F-4D97-AF65-F5344CB8AC3E}">
+        <p14:creationId xmlns:p14="http://schemas.microsoft.com/office/powerpoint/2010/main" val="3464217566"/>
+      </p:ext>
+    </p:extLst>
+  </p:cSld>
+  <p:clrMapOvr>
+    <a:masterClrMapping/>
+  </p:clrMapOvr>
+</p:sld>
+</file>
+
+<file path=ppt/slides/slide8.xml><?xml version="1.0" encoding="utf-8"?>
+<p:sld xmlns:a="http://schemas.openxmlformats.org/drawingml/2006/main" xmlns:r="http://schemas.openxmlformats.org/officeDocument/2006/relationships" xmlns:p="http://schemas.openxmlformats.org/presentationml/2006/main">
+  <p:cSld>
+    <p:spTree>
+      <p:nvGrpSpPr>
+        <p:cNvPr id="1" name=""/>
+        <p:cNvGrpSpPr/>
+        <p:nvPr/>
+      </p:nvGrpSpPr>
+      <p:grpSpPr>
+        <a:xfrm>
+          <a:off x="0" y="0"/>
+          <a:ext cx="0" cy="0"/>
+          <a:chOff x="0" y="0"/>
+          <a:chExt cx="0" cy="0"/>
+        </a:xfrm>
+      </p:grpSpPr>
+      <p:sp>
+        <p:nvSpPr>
+          <p:cNvPr id="6" name="TextBox 5">
+            <a:extLst>
+              <a:ext uri="{FF2B5EF4-FFF2-40B4-BE49-F238E27FC236}">
+                <a16:creationId xmlns:a16="http://schemas.microsoft.com/office/drawing/2014/main" id="{B18975C8-A9FD-7595-8622-E29665C219C9}"/>
+              </a:ext>
+            </a:extLst>
+          </p:cNvPr>
+          <p:cNvSpPr txBox="1"/>
+          <p:nvPr/>
+        </p:nvSpPr>
+        <p:spPr>
+          <a:xfrm>
+            <a:off x="629264" y="501445"/>
+            <a:ext cx="9704438" cy="5355312"/>
+          </a:xfrm>
+          <a:prstGeom prst="rect">
+            <a:avLst/>
+          </a:prstGeom>
+          <a:noFill/>
+        </p:spPr>
+        <p:txBody>
+          <a:bodyPr wrap="square" rtlCol="0">
+            <a:spAutoFit/>
+          </a:bodyPr>
+          <a:lstStyle/>
+          <a:p>
+            <a:r>
+              <a:rPr lang="en-IN" b="1" dirty="0"/>
+              <a:t>Methodology</a:t>
+            </a:r>
+          </a:p>
+          <a:p>
+            <a:pPr marL="285750" indent="-285750">
+              <a:buFontTx/>
+              <a:buChar char="-"/>
+            </a:pPr>
+            <a:r>
+              <a:rPr lang="en-US" dirty="0"/>
+              <a:t>the covariate values for N accounts are initialized via simulation from appropriate distributions to give heterogeneous </a:t>
+            </a:r>
+            <a:r>
+              <a:rPr lang="en-US" dirty="0" err="1"/>
+              <a:t>behaviour</a:t>
+            </a:r>
+            <a:r>
+              <a:rPr lang="en-US" dirty="0"/>
+              <a:t> similar to that observed in AGL’s </a:t>
+            </a:r>
+            <a:r>
+              <a:rPr lang="en-US" dirty="0" err="1"/>
+              <a:t>commerical</a:t>
+            </a:r>
+            <a:r>
+              <a:rPr lang="en-US" dirty="0"/>
+              <a:t> model</a:t>
+            </a:r>
+          </a:p>
+          <a:p>
+            <a:pPr marL="285750" indent="-285750">
+              <a:buFontTx/>
+              <a:buChar char="-"/>
+            </a:pPr>
+            <a:r>
+              <a:rPr lang="en-US" dirty="0"/>
+              <a:t>Si1 can be put into 1(20%), 2(20%) or 3(60%) </a:t>
+            </a:r>
+            <a:r>
+              <a:rPr lang="en-US" dirty="0" err="1"/>
+              <a:t>segement</a:t>
+            </a:r>
+            <a:r>
+              <a:rPr lang="en-US" dirty="0"/>
+              <a:t> . Where </a:t>
+            </a:r>
+          </a:p>
+          <a:p>
+            <a:pPr marL="742950" lvl="1" indent="-285750">
+              <a:buFontTx/>
+              <a:buChar char="-"/>
+            </a:pPr>
+            <a:r>
+              <a:rPr lang="en-US" dirty="0"/>
+              <a:t>1, mostly likely to pay</a:t>
+            </a:r>
+          </a:p>
+          <a:p>
+            <a:pPr marL="742950" lvl="1" indent="-285750">
+              <a:buFontTx/>
+              <a:buChar char="-"/>
+            </a:pPr>
+            <a:r>
+              <a:rPr lang="en-US" dirty="0"/>
+              <a:t>2, can pay </a:t>
+            </a:r>
+          </a:p>
+          <a:p>
+            <a:pPr marL="742950" lvl="1" indent="-285750">
+              <a:buFontTx/>
+              <a:buChar char="-"/>
+            </a:pPr>
+            <a:r>
+              <a:rPr lang="en-US" dirty="0"/>
+              <a:t>3, very difficult to pay amount</a:t>
+            </a:r>
+          </a:p>
+          <a:p>
+            <a:pPr marL="285750" indent="-285750">
+              <a:buFontTx/>
+              <a:buChar char="-"/>
+            </a:pPr>
+            <a:endParaRPr lang="en-US" dirty="0"/>
+          </a:p>
+          <a:p>
+            <a:r>
+              <a:rPr lang="en-US" b="1" dirty="0"/>
+              <a:t>Segment transition</a:t>
+            </a:r>
+          </a:p>
+          <a:p>
+            <a:pPr marL="285750" indent="-285750">
+              <a:buFontTx/>
+              <a:buChar char="-"/>
+            </a:pPr>
+            <a:r>
+              <a:rPr lang="en-US" dirty="0"/>
+              <a:t>Accounts can transition between if the meet the </a:t>
+            </a:r>
+            <a:r>
+              <a:rPr lang="en-US" dirty="0" err="1"/>
+              <a:t>criterias</a:t>
+            </a:r>
+            <a:endParaRPr lang="en-US" dirty="0"/>
+          </a:p>
+          <a:p>
+            <a:pPr marL="742950" lvl="1" indent="-285750">
+              <a:buFontTx/>
+              <a:buChar char="-"/>
+            </a:pPr>
+            <a:r>
+              <a:rPr lang="en-US" dirty="0"/>
+              <a:t>the account is eligible for transition; </a:t>
+            </a:r>
+          </a:p>
+          <a:p>
+            <a:pPr marL="742950" lvl="1" indent="-285750">
+              <a:buFontTx/>
+              <a:buChar char="-"/>
+            </a:pPr>
+            <a:r>
+              <a:rPr lang="en-US" dirty="0"/>
+              <a:t>the account is in Segment 3; </a:t>
+            </a:r>
+          </a:p>
+          <a:p>
+            <a:pPr marL="742950" lvl="1" indent="-285750">
+              <a:buFontTx/>
+              <a:buChar char="-"/>
+            </a:pPr>
+            <a:r>
+              <a:rPr lang="en-US" dirty="0"/>
+              <a:t>the account did not make a payment in the preceding month.</a:t>
+            </a:r>
+            <a:endParaRPr lang="en-US" b="1" dirty="0"/>
+          </a:p>
+          <a:p>
+            <a:pPr marL="285750" indent="-285750">
+              <a:buFontTx/>
+              <a:buChar char="-"/>
+            </a:pPr>
+            <a:r>
+              <a:rPr lang="en-US" b="1" dirty="0" err="1"/>
+              <a:t>Eit</a:t>
+            </a:r>
+            <a:r>
+              <a:rPr lang="en-US" b="1" dirty="0"/>
+              <a:t> </a:t>
+            </a:r>
+            <a:r>
+              <a:rPr lang="en-US" dirty="0"/>
+              <a:t>Eligibility is decided according to a time-independent indicator covariate Ei which is initialized according to Ei ∼ Bernoulli(0.1).</a:t>
+            </a:r>
+          </a:p>
+          <a:p>
+            <a:pPr marL="285750" indent="-285750">
+              <a:buFontTx/>
+              <a:buChar char="-"/>
+            </a:pPr>
+            <a:r>
+              <a:rPr lang="en-US" dirty="0"/>
+              <a:t>Segment transition is also dependent on other payment pattern of other accounts </a:t>
+            </a:r>
+          </a:p>
+          <a:p>
+            <a:pPr marL="285750" indent="-285750">
+              <a:buFontTx/>
+              <a:buChar char="-"/>
+            </a:pPr>
+            <a:r>
+              <a:rPr lang="en-US" dirty="0"/>
+              <a:t>Macroeconomic is also a factor commonly, but not in scope of this paper</a:t>
+            </a:r>
+          </a:p>
+          <a:p>
+            <a:endParaRPr lang="en-US" dirty="0"/>
+          </a:p>
+          <a:p>
+            <a:endParaRPr lang="en-IN" dirty="0"/>
+          </a:p>
+        </p:txBody>
+      </p:sp>
+    </p:spTree>
+    <p:extLst>
+      <p:ext uri="{BB962C8B-B14F-4D97-AF65-F5344CB8AC3E}">
+        <p14:creationId xmlns:p14="http://schemas.microsoft.com/office/powerpoint/2010/main" val="451288453"/>
+      </p:ext>
+    </p:extLst>
+  </p:cSld>
+  <p:clrMapOvr>
+    <a:masterClrMapping/>
+  </p:clrMapOvr>
+</p:sld>
+</file>
+
+<file path=ppt/slides/slide9.xml><?xml version="1.0" encoding="utf-8"?>
+<p:sld xmlns:a="http://schemas.openxmlformats.org/drawingml/2006/main" xmlns:r="http://schemas.openxmlformats.org/officeDocument/2006/relationships" xmlns:p="http://schemas.openxmlformats.org/presentationml/2006/main">
+  <p:cSld>
+    <p:spTree>
+      <p:nvGrpSpPr>
+        <p:cNvPr id="1" name=""/>
+        <p:cNvGrpSpPr/>
+        <p:nvPr/>
+      </p:nvGrpSpPr>
+      <p:grpSpPr>
+        <a:xfrm>
+          <a:off x="0" y="0"/>
+          <a:ext cx="0" cy="0"/>
+          <a:chOff x="0" y="0"/>
+          <a:chExt cx="0" cy="0"/>
+        </a:xfrm>
+      </p:grpSpPr>
       <p:graphicFrame>
         <p:nvGraphicFramePr>
           <p:cNvPr id="6" name="Content Placeholder 4">
@@ -3672,14 +5024,14 @@
           <p:nvPr>
             <p:extLst>
               <p:ext uri="{D42A27DB-BD31-4B8C-83A1-F6EECF244321}">
-                <p14:modId xmlns:p14="http://schemas.microsoft.com/office/powerpoint/2010/main" val="721091193"/>
+                <p14:modId xmlns:p14="http://schemas.microsoft.com/office/powerpoint/2010/main" val="3321806871"/>
               </p:ext>
             </p:extLst>
           </p:nvPr>
         </p:nvGraphicFramePr>
         <p:xfrm>
-          <a:off x="5211097" y="681037"/>
-          <a:ext cx="6705600" cy="4357215"/>
+          <a:off x="5919019" y="681037"/>
+          <a:ext cx="5997678" cy="5768924"/>
         </p:xfrm>
         <a:graphic>
           <a:graphicData uri="http://schemas.openxmlformats.org/drawingml/2006/table">
@@ -3688,21 +5040,21 @@
                 <a:tableStyleId>{5C22544A-7EE6-4342-B048-85BDC9FD1C3A}</a:tableStyleId>
               </a:tblPr>
               <a:tblGrid>
-                <a:gridCol w="2235200">
+                <a:gridCol w="1999226">
                   <a:extLst>
                     <a:ext uri="{9D8B030D-6E8A-4147-A177-3AD203B41FA5}">
                       <a16:colId xmlns:a16="http://schemas.microsoft.com/office/drawing/2014/main" val="4105399251"/>
                     </a:ext>
                   </a:extLst>
                 </a:gridCol>
-                <a:gridCol w="2235200">
+                <a:gridCol w="1999226">
                   <a:extLst>
                     <a:ext uri="{9D8B030D-6E8A-4147-A177-3AD203B41FA5}">
                       <a16:colId xmlns:a16="http://schemas.microsoft.com/office/drawing/2014/main" val="170172206"/>
                     </a:ext>
                   </a:extLst>
                 </a:gridCol>
-                <a:gridCol w="2235200">
+                <a:gridCol w="1999226">
                   <a:extLst>
                     <a:ext uri="{9D8B030D-6E8A-4147-A177-3AD203B41FA5}">
                       <a16:colId xmlns:a16="http://schemas.microsoft.com/office/drawing/2014/main" val="4032841541"/>
@@ -3710,7 +5062,7 @@
                   </a:extLst>
                 </a:gridCol>
               </a:tblGrid>
-              <a:tr h="219203">
+              <a:tr h="451962">
                 <a:tc>
                   <a:txBody>
                     <a:bodyPr/>
@@ -3931,7 +5283,7 @@
                   </a:ext>
                 </a:extLst>
               </a:tr>
-              <a:tr h="435134">
+              <a:tr h="559107">
                 <a:tc>
                   <a:txBody>
                     <a:bodyPr/>
@@ -4151,7 +5503,7 @@
                   </a:ext>
                 </a:extLst>
               </a:tr>
-              <a:tr h="579088">
+              <a:tr h="744075">
                 <a:tc>
                   <a:txBody>
                     <a:bodyPr/>
@@ -4371,7 +5723,7 @@
                   </a:ext>
                 </a:extLst>
               </a:tr>
-              <a:tr h="507111">
+              <a:tr h="651590">
                 <a:tc>
                   <a:txBody>
                     <a:bodyPr/>
@@ -4591,7 +5943,7 @@
                   </a:ext>
                 </a:extLst>
               </a:tr>
-              <a:tr h="363157">
+              <a:tr h="474172">
                 <a:tc>
                   <a:txBody>
                     <a:bodyPr/>
@@ -4599,12 +5951,12 @@
                     <a:p>
                       <a:pPr algn="ctr" fontAlgn="b"/>
                       <a:r>
-                        <a:rPr lang="en-IN" sz="1200" u="none" strike="noStrike">
+                        <a:rPr lang="en-IN" sz="1200" u="none" strike="noStrike" dirty="0">
                           <a:effectLst/>
                         </a:rPr>
                         <a:t>Payment Probability</a:t>
                       </a:r>
-                      <a:endParaRPr lang="en-IN" sz="1200" b="0" i="0" u="none" strike="noStrike">
+                      <a:endParaRPr lang="en-IN" sz="1200" b="0" i="0" u="none" strike="noStrike" dirty="0">
                         <a:solidFill>
                           <a:srgbClr val="000000"/>
                         </a:solidFill>
@@ -4811,7 +6163,7 @@
                   </a:ext>
                 </a:extLst>
               </a:tr>
-              <a:tr h="435134">
+              <a:tr h="559107">
                 <a:tc>
                   <a:txBody>
                     <a:bodyPr/>
@@ -5031,7 +6383,7 @@
                   </a:ext>
                 </a:extLst>
               </a:tr>
-              <a:tr h="435134">
+              <a:tr h="559107">
                 <a:tc>
                   <a:txBody>
                     <a:bodyPr/>
@@ -5251,7 +6603,7 @@
                   </a:ext>
                 </a:extLst>
               </a:tr>
-              <a:tr h="507111">
+              <a:tr h="651590">
                 <a:tc>
                   <a:txBody>
                     <a:bodyPr/>
@@ -5471,7 +6823,7 @@
                   </a:ext>
                 </a:extLst>
               </a:tr>
-              <a:tr h="435134">
+              <a:tr h="559107">
                 <a:tc>
                   <a:txBody>
                     <a:bodyPr/>
@@ -5691,7 +7043,7 @@
                   </a:ext>
                 </a:extLst>
               </a:tr>
-              <a:tr h="435134">
+              <a:tr h="559107">
                 <a:tc>
                   <a:txBody>
                     <a:bodyPr/>
@@ -5917,10 +7269,10 @@
       </p:graphicFrame>
       <p:sp>
         <p:nvSpPr>
-          <p:cNvPr id="7" name="TextBox 6">
-            <a:extLst>
-              <a:ext uri="{FF2B5EF4-FFF2-40B4-BE49-F238E27FC236}">
-                <a16:creationId xmlns:a16="http://schemas.microsoft.com/office/drawing/2014/main" id="{F5811E86-D018-C162-02CB-258229E9641A}"/>
+          <p:cNvPr id="8" name="TextBox 7">
+            <a:extLst>
+              <a:ext uri="{FF2B5EF4-FFF2-40B4-BE49-F238E27FC236}">
+                <a16:creationId xmlns:a16="http://schemas.microsoft.com/office/drawing/2014/main" id="{EBD712DE-CA8D-5983-D1A7-3CECCFA23019}"/>
               </a:ext>
             </a:extLst>
           </p:cNvPr>
@@ -5929,8 +7281,8 @@
         </p:nvSpPr>
         <p:spPr>
           <a:xfrm>
-            <a:off x="521110" y="403123"/>
-            <a:ext cx="3578942" cy="5078313"/>
+            <a:off x="5830528" y="255638"/>
+            <a:ext cx="5279923" cy="338554"/>
           </a:xfrm>
           <a:prstGeom prst="rect">
             <a:avLst/>
@@ -5944,162 +7296,108 @@
           <a:lstStyle/>
           <a:p>
             <a:r>
-              <a:rPr lang="en-IN" dirty="0"/>
-              <a:t>Challenges faced</a:t>
-            </a:r>
-          </a:p>
-          <a:p>
-            <a:endParaRPr lang="en-IN" dirty="0"/>
-          </a:p>
-          <a:p>
-            <a:pPr marL="342900" indent="-342900">
-              <a:buAutoNum type="arabicPeriod"/>
-            </a:pPr>
-            <a:r>
-              <a:rPr lang="en-IN" dirty="0" err="1"/>
-              <a:t>Comutation</a:t>
-            </a:r>
-            <a:r>
-              <a:rPr lang="en-IN" dirty="0"/>
-              <a:t> complexity </a:t>
-            </a:r>
-          </a:p>
-          <a:p>
-            <a:r>
-              <a:rPr lang="en-IN" dirty="0" err="1"/>
-              <a:t>Soln</a:t>
-            </a:r>
-            <a:r>
-              <a:rPr lang="en-IN" dirty="0"/>
-              <a:t>-  optimal allocation of realizations</a:t>
-            </a:r>
-          </a:p>
-          <a:p>
-            <a:pPr marL="285750" indent="-285750">
-              <a:buFontTx/>
-              <a:buChar char="-"/>
-            </a:pPr>
-            <a:r>
-              <a:rPr lang="en-IN" dirty="0"/>
-              <a:t>Parallel to multilevel monte </a:t>
-            </a:r>
-            <a:r>
-              <a:rPr lang="en-IN" dirty="0" err="1"/>
-              <a:t>carlo</a:t>
-            </a:r>
-            <a:r>
-              <a:rPr lang="en-IN" dirty="0"/>
-              <a:t> &amp; Bayesian design experiment</a:t>
-            </a:r>
-          </a:p>
-          <a:p>
-            <a:endParaRPr lang="en-IN" dirty="0"/>
-          </a:p>
-          <a:p>
-            <a:r>
-              <a:rPr lang="en-IN" dirty="0"/>
-              <a:t>2- </a:t>
-            </a:r>
-            <a:r>
-              <a:rPr lang="en-IN" dirty="0" err="1"/>
-              <a:t>Uncertaininity</a:t>
-            </a:r>
-            <a:r>
-              <a:rPr lang="en-IN" dirty="0"/>
-              <a:t> probability </a:t>
-            </a:r>
-          </a:p>
-          <a:p>
-            <a:r>
-              <a:rPr lang="en-IN" dirty="0" err="1"/>
-              <a:t>Soln</a:t>
-            </a:r>
-            <a:r>
-              <a:rPr lang="en-IN" dirty="0"/>
-              <a:t>- make prediction intervals</a:t>
-            </a:r>
-          </a:p>
-          <a:p>
-            <a:pPr marL="285750" indent="-285750">
-              <a:buFontTx/>
-              <a:buChar char="-"/>
-            </a:pPr>
-            <a:r>
-              <a:rPr lang="en-IN" dirty="0"/>
-              <a:t>Sample variance reduction technique</a:t>
-            </a:r>
-          </a:p>
-          <a:p>
-            <a:pPr marL="285750" indent="-285750">
-              <a:buFontTx/>
-              <a:buChar char="-"/>
-            </a:pPr>
-            <a:endParaRPr lang="en-IN" dirty="0"/>
-          </a:p>
-          <a:p>
-            <a:pPr marL="285750" indent="-285750">
-              <a:buFontTx/>
-              <a:buChar char="-"/>
-            </a:pPr>
-            <a:endParaRPr lang="en-IN" dirty="0"/>
-          </a:p>
-          <a:p>
-            <a:r>
-              <a:rPr lang="en-IN" dirty="0"/>
-              <a:t>3- efficient use of computation resource</a:t>
-            </a:r>
-          </a:p>
-          <a:p>
-            <a:r>
-              <a:rPr lang="en-IN" dirty="0" err="1"/>
-              <a:t>Soln</a:t>
-            </a:r>
-            <a:r>
-              <a:rPr lang="en-IN" dirty="0"/>
-              <a:t>- Gaussian process emulator</a:t>
-            </a:r>
-          </a:p>
-          <a:p>
-            <a:endParaRPr lang="en-IN" dirty="0"/>
-          </a:p>
-        </p:txBody>
-      </p:sp>
-    </p:spTree>
-    <p:extLst>
-      <p:ext uri="{BB962C8B-B14F-4D97-AF65-F5344CB8AC3E}">
-        <p14:creationId xmlns:p14="http://schemas.microsoft.com/office/powerpoint/2010/main" val="1027327137"/>
-      </p:ext>
-    </p:extLst>
-  </p:cSld>
-  <p:clrMapOvr>
-    <a:masterClrMapping/>
-  </p:clrMapOvr>
-</p:sld>
-</file>
-
-<file path=ppt/slides/slide4.xml><?xml version="1.0" encoding="utf-8"?>
-<p:sld xmlns:a="http://schemas.openxmlformats.org/drawingml/2006/main" xmlns:r="http://schemas.openxmlformats.org/officeDocument/2006/relationships" xmlns:p="http://schemas.openxmlformats.org/presentationml/2006/main">
-  <p:cSld>
-    <p:spTree>
-      <p:nvGrpSpPr>
-        <p:cNvPr id="1" name=""/>
-        <p:cNvGrpSpPr/>
-        <p:nvPr/>
-      </p:nvGrpSpPr>
-      <p:grpSpPr>
-        <a:xfrm>
-          <a:off x="0" y="0"/>
-          <a:ext cx="0" cy="0"/>
-          <a:chOff x="0" y="0"/>
-          <a:chExt cx="0" cy="0"/>
-        </a:xfrm>
-      </p:grpSpPr>
-      <p:sp>
-        <p:nvSpPr>
-          <p:cNvPr id="8" name="TextBox 7">
-            <a:extLst>
-              <a:ext uri="{FF2B5EF4-FFF2-40B4-BE49-F238E27FC236}">
-                <a16:creationId xmlns:a16="http://schemas.microsoft.com/office/drawing/2014/main" id="{C97AD71D-A78C-D43D-F797-57187BA87669}"/>
+              <a:rPr lang="en-IN" sz="1600" b="1" dirty="0"/>
+              <a:t>Difference between representative and commercial model</a:t>
+            </a:r>
+          </a:p>
+        </p:txBody>
+      </p:sp>
+      <p:pic>
+        <p:nvPicPr>
+          <p:cNvPr id="10" name="Picture 9">
+            <a:extLst>
+              <a:ext uri="{FF2B5EF4-FFF2-40B4-BE49-F238E27FC236}">
+                <a16:creationId xmlns:a16="http://schemas.microsoft.com/office/drawing/2014/main" id="{D72A4E28-9255-2CCD-6E61-10DF91035563}"/>
+              </a:ext>
+            </a:extLst>
+          </p:cNvPr>
+          <p:cNvPicPr>
+            <a:picLocks noChangeAspect="1"/>
+          </p:cNvPicPr>
+          <p:nvPr/>
+        </p:nvPicPr>
+        <p:blipFill>
+          <a:blip r:embed="rId2"/>
+          <a:stretch>
+            <a:fillRect/>
+          </a:stretch>
+        </p:blipFill>
+        <p:spPr>
+          <a:xfrm>
+            <a:off x="137652" y="3836766"/>
+            <a:ext cx="5555226" cy="2529430"/>
+          </a:xfrm>
+          <a:prstGeom prst="rect">
+            <a:avLst/>
+          </a:prstGeom>
+        </p:spPr>
+      </p:pic>
+      <p:pic>
+        <p:nvPicPr>
+          <p:cNvPr id="12" name="Picture 11">
+            <a:extLst>
+              <a:ext uri="{FF2B5EF4-FFF2-40B4-BE49-F238E27FC236}">
+                <a16:creationId xmlns:a16="http://schemas.microsoft.com/office/drawing/2014/main" id="{4515E68B-8328-D932-CDFE-A13B018C9754}"/>
+              </a:ext>
+            </a:extLst>
+          </p:cNvPr>
+          <p:cNvPicPr>
+            <a:picLocks noChangeAspect="1"/>
+          </p:cNvPicPr>
+          <p:nvPr/>
+        </p:nvPicPr>
+        <p:blipFill>
+          <a:blip r:embed="rId3"/>
+          <a:stretch>
+            <a:fillRect/>
+          </a:stretch>
+        </p:blipFill>
+        <p:spPr>
+          <a:xfrm>
+            <a:off x="495728" y="912923"/>
+            <a:ext cx="1893833" cy="773824"/>
+          </a:xfrm>
+          <a:prstGeom prst="rect">
+            <a:avLst/>
+          </a:prstGeom>
+        </p:spPr>
+      </p:pic>
+      <p:pic>
+        <p:nvPicPr>
+          <p:cNvPr id="14" name="Picture 13">
+            <a:extLst>
+              <a:ext uri="{FF2B5EF4-FFF2-40B4-BE49-F238E27FC236}">
+                <a16:creationId xmlns:a16="http://schemas.microsoft.com/office/drawing/2014/main" id="{8AC532C6-206F-F7CB-58D1-66B7E62ED3EE}"/>
+              </a:ext>
+            </a:extLst>
+          </p:cNvPr>
+          <p:cNvPicPr>
+            <a:picLocks noChangeAspect="1"/>
+          </p:cNvPicPr>
+          <p:nvPr/>
+        </p:nvPicPr>
+        <p:blipFill>
+          <a:blip r:embed="rId4"/>
+          <a:stretch>
+            <a:fillRect/>
+          </a:stretch>
+        </p:blipFill>
+        <p:spPr>
+          <a:xfrm>
+            <a:off x="2389561" y="982222"/>
+            <a:ext cx="1983604" cy="773824"/>
+          </a:xfrm>
+          <a:prstGeom prst="rect">
+            <a:avLst/>
+          </a:prstGeom>
+        </p:spPr>
+      </p:pic>
+      <p:sp>
+        <p:nvSpPr>
+          <p:cNvPr id="15" name="TextBox 14">
+            <a:extLst>
+              <a:ext uri="{FF2B5EF4-FFF2-40B4-BE49-F238E27FC236}">
+                <a16:creationId xmlns:a16="http://schemas.microsoft.com/office/drawing/2014/main" id="{9EB3DDA1-B471-9198-16D4-2325BC257EB5}"/>
               </a:ext>
             </a:extLst>
           </p:cNvPr>
@@ -6108,8 +7406,8 @@
         </p:nvSpPr>
         <p:spPr>
           <a:xfrm>
-            <a:off x="639097" y="462116"/>
-            <a:ext cx="10785987" cy="4247317"/>
+            <a:off x="419056" y="255638"/>
+            <a:ext cx="3712478" cy="338554"/>
           </a:xfrm>
           <a:prstGeom prst="rect">
             <a:avLst/>
@@ -6123,142 +7421,18 @@
           <a:lstStyle/>
           <a:p>
             <a:r>
-              <a:rPr lang="en-IN" dirty="0"/>
-              <a:t>Aim </a:t>
-            </a:r>
-          </a:p>
-          <a:p>
-            <a:r>
-              <a:rPr lang="en-IN" dirty="0"/>
-              <a:t>To create</a:t>
-            </a:r>
-          </a:p>
-          <a:p>
-            <a:pPr marL="285750" indent="-285750">
-              <a:buFontTx/>
-              <a:buChar char="-"/>
-            </a:pPr>
-            <a:r>
-              <a:rPr lang="en-IN" dirty="0"/>
-              <a:t>Variance reduction technique </a:t>
-            </a:r>
-          </a:p>
-          <a:p>
-            <a:pPr marL="285750" indent="-285750">
-              <a:buFontTx/>
-              <a:buChar char="-"/>
-            </a:pPr>
-            <a:r>
-              <a:rPr lang="en-IN" dirty="0" err="1"/>
-              <a:t>Uncertaininity</a:t>
-            </a:r>
-            <a:r>
-              <a:rPr lang="en-IN" dirty="0"/>
-              <a:t> quantification technique( by </a:t>
-            </a:r>
-            <a:r>
-              <a:rPr lang="en-IN" dirty="0" err="1"/>
-              <a:t>agg</a:t>
-            </a:r>
-            <a:r>
-              <a:rPr lang="en-IN" dirty="0"/>
-              <a:t> individual level forecast to generate population level forecast)</a:t>
-            </a:r>
-          </a:p>
-          <a:p>
-            <a:pPr marL="285750" indent="-285750">
-              <a:buFontTx/>
-              <a:buChar char="-"/>
-            </a:pPr>
-            <a:endParaRPr lang="en-IN" dirty="0"/>
-          </a:p>
-          <a:p>
-            <a:pPr marL="285750" indent="-285750">
-              <a:buFontTx/>
-              <a:buChar char="-"/>
-            </a:pPr>
-            <a:endParaRPr lang="en-IN" dirty="0"/>
-          </a:p>
-          <a:p>
-            <a:r>
-              <a:rPr lang="en-IN" dirty="0"/>
-              <a:t>Section 2- Current model</a:t>
-            </a:r>
-          </a:p>
-          <a:p>
-            <a:r>
-              <a:rPr lang="en-IN" dirty="0"/>
-              <a:t>Section 3- variance reduction technique</a:t>
-            </a:r>
-          </a:p>
-          <a:p>
-            <a:r>
-              <a:rPr lang="en-IN" dirty="0"/>
-              <a:t>Section 4- prediction interval</a:t>
-            </a:r>
-          </a:p>
-          <a:p>
-            <a:r>
-              <a:rPr lang="en-IN" dirty="0"/>
-              <a:t>Section 5- Quality of protection of population</a:t>
-            </a:r>
-          </a:p>
-          <a:p>
-            <a:r>
-              <a:rPr lang="en-IN" dirty="0"/>
-              <a:t>Section 6- Gaussian emulator</a:t>
-            </a:r>
-          </a:p>
-          <a:p>
-            <a:endParaRPr lang="en-IN" dirty="0"/>
-          </a:p>
-          <a:p>
-            <a:endParaRPr lang="en-IN" dirty="0"/>
-          </a:p>
-          <a:p>
-            <a:endParaRPr lang="en-IN" dirty="0"/>
-          </a:p>
-          <a:p>
-            <a:endParaRPr lang="en-IN" dirty="0"/>
-          </a:p>
-        </p:txBody>
-      </p:sp>
-    </p:spTree>
-    <p:extLst>
-      <p:ext uri="{BB962C8B-B14F-4D97-AF65-F5344CB8AC3E}">
-        <p14:creationId xmlns:p14="http://schemas.microsoft.com/office/powerpoint/2010/main" val="2941798998"/>
-      </p:ext>
-    </p:extLst>
-  </p:cSld>
-  <p:clrMapOvr>
-    <a:masterClrMapping/>
-  </p:clrMapOvr>
-</p:sld>
-</file>
-
-<file path=ppt/slides/slide5.xml><?xml version="1.0" encoding="utf-8"?>
-<p:sld xmlns:a="http://schemas.openxmlformats.org/drawingml/2006/main" xmlns:r="http://schemas.openxmlformats.org/officeDocument/2006/relationships" xmlns:p="http://schemas.openxmlformats.org/presentationml/2006/main">
-  <p:cSld>
-    <p:spTree>
-      <p:nvGrpSpPr>
-        <p:cNvPr id="1" name=""/>
-        <p:cNvGrpSpPr/>
-        <p:nvPr/>
-      </p:nvGrpSpPr>
-      <p:grpSpPr>
-        <a:xfrm>
-          <a:off x="0" y="0"/>
-          <a:ext cx="0" cy="0"/>
-          <a:chOff x="0" y="0"/>
-          <a:chExt cx="0" cy="0"/>
-        </a:xfrm>
-      </p:grpSpPr>
-      <p:sp>
-        <p:nvSpPr>
-          <p:cNvPr id="8" name="TextBox 7">
-            <a:extLst>
-              <a:ext uri="{FF2B5EF4-FFF2-40B4-BE49-F238E27FC236}">
-                <a16:creationId xmlns:a16="http://schemas.microsoft.com/office/drawing/2014/main" id="{C97AD71D-A78C-D43D-F797-57187BA87669}"/>
+              <a:rPr lang="en-IN" sz="1600" b="1" dirty="0"/>
+              <a:t>Estimation of expected collection</a:t>
+            </a:r>
+          </a:p>
+        </p:txBody>
+      </p:sp>
+      <p:sp>
+        <p:nvSpPr>
+          <p:cNvPr id="16" name="TextBox 15">
+            <a:extLst>
+              <a:ext uri="{FF2B5EF4-FFF2-40B4-BE49-F238E27FC236}">
+                <a16:creationId xmlns:a16="http://schemas.microsoft.com/office/drawing/2014/main" id="{A1DBEB29-69D4-79BE-5BB7-60ECFB7E6C34}"/>
               </a:ext>
             </a:extLst>
           </p:cNvPr>
@@ -6267,8 +7441,8 @@
         </p:nvSpPr>
         <p:spPr>
           <a:xfrm>
-            <a:off x="639097" y="462116"/>
-            <a:ext cx="10785987" cy="1477328"/>
+            <a:off x="533322" y="1907458"/>
+            <a:ext cx="4825260" cy="1477328"/>
           </a:xfrm>
           <a:prstGeom prst="rect">
             <a:avLst/>
@@ -6281,32 +7455,31 @@
           </a:bodyPr>
           <a:lstStyle/>
           <a:p>
-            <a:endParaRPr lang="en-IN" dirty="0"/>
-          </a:p>
-          <a:p>
+            <a:pPr marL="285750" indent="-285750">
+              <a:buFontTx/>
+              <a:buChar char="-"/>
+            </a:pPr>
             <a:r>
               <a:rPr lang="en-IN" dirty="0"/>
-              <a:t>Section 2 - Current model </a:t>
-            </a:r>
-          </a:p>
-          <a:p>
-            <a:endParaRPr lang="en-IN" dirty="0"/>
-          </a:p>
-          <a:p>
+              <a:t>We can get average by summing collection amount and the R (no of probability of payments) all accounts </a:t>
+            </a:r>
+          </a:p>
+          <a:p>
+            <a:pPr marL="285750" indent="-285750">
+              <a:buFontTx/>
+              <a:buChar char="-"/>
+            </a:pPr>
             <a:r>
               <a:rPr lang="en-IN" dirty="0"/>
-              <a:t>-</a:t>
-            </a:r>
-          </a:p>
-          <a:p>
-            <a:endParaRPr lang="en-IN" dirty="0"/>
+              <a:t>We can see expected collection distribution of various the segments below </a:t>
+            </a:r>
           </a:p>
         </p:txBody>
       </p:sp>
     </p:spTree>
     <p:extLst>
       <p:ext uri="{BB962C8B-B14F-4D97-AF65-F5344CB8AC3E}">
-        <p14:creationId xmlns:p14="http://schemas.microsoft.com/office/powerpoint/2010/main" val="1648659635"/>
+        <p14:creationId xmlns:p14="http://schemas.microsoft.com/office/powerpoint/2010/main" val="1027327137"/>
       </p:ext>
     </p:extLst>
   </p:cSld>
